--- a/documentation/Community Calls/PnP Community Call - 2015 September.pptx
+++ b/documentation/Community Calls/PnP Community Call - 2015 September.pptx
@@ -16106,7 +16106,11 @@
           <a:p>
             <a:r>
               <a:rPr lang="en-US" dirty="0" smtClean="0"/>
-              <a:t>August Release - new samples</a:t>
+              <a:t>September </a:t>
+            </a:r>
+            <a:r>
+              <a:rPr lang="en-US" dirty="0" smtClean="0"/>
+              <a:t>Release - new samples</a:t>
             </a:r>
             <a:endParaRPr lang="en-GB" dirty="0"/>
           </a:p>
@@ -16328,10 +16332,14 @@
           <a:lstStyle/>
           <a:p>
             <a:r>
-              <a:rPr lang="en-US" sz="4800" dirty="0" smtClean="0"/>
-              <a:t>August Release – Core and engine updates</a:t>
-            </a:r>
-            <a:endParaRPr lang="en-GB" sz="4800" dirty="0"/>
+              <a:rPr lang="en-US" sz="4400" dirty="0" smtClean="0"/>
+              <a:t>September </a:t>
+            </a:r>
+            <a:r>
+              <a:rPr lang="en-US" sz="4400" dirty="0" smtClean="0"/>
+              <a:t>Release – Core and engine updates</a:t>
+            </a:r>
+            <a:endParaRPr lang="en-GB" sz="4400" dirty="0"/>
           </a:p>
         </p:txBody>
       </p:sp>
@@ -27177,6 +27185,27 @@
 </file>
 
 <file path=customXml/item1.xml><?xml version="1.0" encoding="utf-8"?>
+<?mso-contentType ?>
+<FormTemplates xmlns="http://schemas.microsoft.com/sharepoint/v3/contenttype/forms">
+  <Display>DocumentLibraryForm</Display>
+  <Edit>DocumentLibraryForm</Edit>
+  <New>DocumentLibraryForm</New>
+</FormTemplates>
+</file>
+
+<file path=customXml/item2.xml><?xml version="1.0" encoding="utf-8"?>
+<p:properties xmlns:p="http://schemas.microsoft.com/office/2006/metadata/properties" xmlns:xsi="http://www.w3.org/2001/XMLSchema-instance" xmlns:pc="http://schemas.microsoft.com/office/infopath/2007/PartnerControls">
+  <documentManagement>
+    <_dlc_DocId xmlns="cd87093e-4634-4748-b2c5-9b7dd08436d4">2FYMKYENTSWQ-73-309</_dlc_DocId>
+    <_dlc_DocIdUrl xmlns="cd87093e-4634-4748-b2c5-9b7dd08436d4">
+      <Url>https://msft.spoppe.com/teams/case/cat/apps/GAPPS/_layouts/15/DocIdRedir.aspx?ID=2FYMKYENTSWQ-73-309</Url>
+      <Description>2FYMKYENTSWQ-73-309</Description>
+    </_dlc_DocIdUrl>
+  </documentManagement>
+</p:properties>
+</file>
+
+<file path=customXml/item3.xml><?xml version="1.0" encoding="utf-8"?>
 <ct:contentTypeSchema xmlns:ct="http://schemas.microsoft.com/office/2006/metadata/contentType" xmlns:ma="http://schemas.microsoft.com/office/2006/metadata/properties/metaAttributes" ct:_="" ma:_="" ma:contentTypeName="Document" ma:contentTypeID="0x010100E04BA25C01049F47A7CA1D7D6DE49E54" ma:contentTypeVersion="1" ma:contentTypeDescription="Create a new document." ma:contentTypeScope="" ma:versionID="4419eea21087248b1cf727314ad9d39d">
   <xsd:schema xmlns:xsd="http://www.w3.org/2001/XMLSchema" xmlns:xs="http://www.w3.org/2001/XMLSchema" xmlns:p="http://schemas.microsoft.com/office/2006/metadata/properties" xmlns:ns2="cd87093e-4634-4748-b2c5-9b7dd08436d4" xmlns:ns3="b3ce0980-cfa3-4301-a185-d1685e708702" targetNamespace="http://schemas.microsoft.com/office/2006/metadata/properties" ma:root="true" ma:fieldsID="28c4fa0c26e1cf5db557b4d01932a63a" ns2:_="" ns3:_="">
     <xsd:import namespace="cd87093e-4634-4748-b2c5-9b7dd08436d4"/>
@@ -27346,42 +27375,10 @@
 </ct:contentTypeSchema>
 </file>
 
-<file path=customXml/item2.xml><?xml version="1.0" encoding="utf-8"?>
-<p:properties xmlns:p="http://schemas.microsoft.com/office/2006/metadata/properties" xmlns:xsi="http://www.w3.org/2001/XMLSchema-instance" xmlns:pc="http://schemas.microsoft.com/office/infopath/2007/PartnerControls">
-  <documentManagement>
-    <_dlc_DocId xmlns="cd87093e-4634-4748-b2c5-9b7dd08436d4">2FYMKYENTSWQ-73-309</_dlc_DocId>
-    <_dlc_DocIdUrl xmlns="cd87093e-4634-4748-b2c5-9b7dd08436d4">
-      <Url>https://msft.spoppe.com/teams/case/cat/apps/GAPPS/_layouts/15/DocIdRedir.aspx?ID=2FYMKYENTSWQ-73-309</Url>
-      <Description>2FYMKYENTSWQ-73-309</Description>
-    </_dlc_DocIdUrl>
-  </documentManagement>
-</p:properties>
-</file>
-
-<file path=customXml/item3.xml><?xml version="1.0" encoding="utf-8"?>
-<?mso-contentType ?>
-<FormTemplates xmlns="http://schemas.microsoft.com/sharepoint/v3/contenttype/forms">
-  <Display>DocumentLibraryForm</Display>
-  <Edit>DocumentLibraryForm</Edit>
-  <New>DocumentLibraryForm</New>
-</FormTemplates>
-</file>
-
 <file path=customXml/itemProps1.xml><?xml version="1.0" encoding="utf-8"?>
-<ds:datastoreItem xmlns:ds="http://schemas.openxmlformats.org/officeDocument/2006/customXml" ds:itemID="{7BCC35DC-5732-4D00-A5C7-D8C9E301F4D7}">
+<ds:datastoreItem xmlns:ds="http://schemas.openxmlformats.org/officeDocument/2006/customXml" ds:itemID="{B4606E04-852E-4880-8CD1-0B186F4087B1}">
   <ds:schemaRefs>
-    <ds:schemaRef ds:uri="http://schemas.microsoft.com/office/2006/metadata/contentType"/>
-    <ds:schemaRef ds:uri="http://schemas.microsoft.com/office/2006/metadata/properties/metaAttributes"/>
-    <ds:schemaRef ds:uri="http://www.w3.org/2001/XMLSchema"/>
-    <ds:schemaRef ds:uri="http://schemas.microsoft.com/office/2006/metadata/properties"/>
-    <ds:schemaRef ds:uri="cd87093e-4634-4748-b2c5-9b7dd08436d4"/>
-    <ds:schemaRef ds:uri="b3ce0980-cfa3-4301-a185-d1685e708702"/>
-    <ds:schemaRef ds:uri="http://schemas.microsoft.com/office/2006/documentManagement/types"/>
-    <ds:schemaRef ds:uri="http://schemas.microsoft.com/office/infopath/2007/PartnerControls"/>
-    <ds:schemaRef ds:uri="http://schemas.openxmlformats.org/package/2006/metadata/core-properties"/>
-    <ds:schemaRef ds:uri="http://purl.org/dc/elements/1.1/"/>
-    <ds:schemaRef ds:uri="http://purl.org/dc/terms/"/>
-    <ds:schemaRef ds:uri="http://schemas.microsoft.com/internal/obd"/>
+    <ds:schemaRef ds:uri="http://schemas.microsoft.com/sharepoint/v3/contenttype/forms"/>
   </ds:schemaRefs>
 </ds:datastoreItem>
 </file>
@@ -27404,9 +27401,20 @@
 </file>
 
 <file path=customXml/itemProps3.xml><?xml version="1.0" encoding="utf-8"?>
-<ds:datastoreItem xmlns:ds="http://schemas.openxmlformats.org/officeDocument/2006/customXml" ds:itemID="{B4606E04-852E-4880-8CD1-0B186F4087B1}">
+<ds:datastoreItem xmlns:ds="http://schemas.openxmlformats.org/officeDocument/2006/customXml" ds:itemID="{7BCC35DC-5732-4D00-A5C7-D8C9E301F4D7}">
   <ds:schemaRefs>
-    <ds:schemaRef ds:uri="http://schemas.microsoft.com/sharepoint/v3/contenttype/forms"/>
+    <ds:schemaRef ds:uri="http://schemas.microsoft.com/office/2006/metadata/contentType"/>
+    <ds:schemaRef ds:uri="http://schemas.microsoft.com/office/2006/metadata/properties/metaAttributes"/>
+    <ds:schemaRef ds:uri="http://www.w3.org/2001/XMLSchema"/>
+    <ds:schemaRef ds:uri="http://schemas.microsoft.com/office/2006/metadata/properties"/>
+    <ds:schemaRef ds:uri="cd87093e-4634-4748-b2c5-9b7dd08436d4"/>
+    <ds:schemaRef ds:uri="b3ce0980-cfa3-4301-a185-d1685e708702"/>
+    <ds:schemaRef ds:uri="http://schemas.microsoft.com/office/2006/documentManagement/types"/>
+    <ds:schemaRef ds:uri="http://schemas.microsoft.com/office/infopath/2007/PartnerControls"/>
+    <ds:schemaRef ds:uri="http://schemas.openxmlformats.org/package/2006/metadata/core-properties"/>
+    <ds:schemaRef ds:uri="http://purl.org/dc/elements/1.1/"/>
+    <ds:schemaRef ds:uri="http://purl.org/dc/terms/"/>
+    <ds:schemaRef ds:uri="http://schemas.microsoft.com/internal/obd"/>
   </ds:schemaRefs>
 </ds:datastoreItem>
 </file>